--- a/Bilibili_Course/LLM/PowerPoint/【Presentation】大语言模型杂谈（一）：模型越大，能力就越强吗？.pptx
+++ b/Bilibili_Course/LLM/PowerPoint/【Presentation】大语言模型杂谈（一）：模型越大，能力就越强吗？.pptx
@@ -4740,14 +4740,7 @@
                   <a:latin typeface="Arial" panose="020B0604020202020204" pitchFamily="34" charset="0"/>
                   <a:cs typeface="Arial" panose="020B0604020202020204" pitchFamily="34" charset="0"/>
                 </a:rPr>
-                <a:t>Comparison </a:t>
-              </a:r>
-              <a:r>
-                <a:rPr lang="zh-CN" altLang="en-US" b="1" dirty="0">
-                  <a:latin typeface="Arial" panose="020B0604020202020204" pitchFamily="34" charset="0"/>
-                  <a:cs typeface="Arial" panose="020B0604020202020204" pitchFamily="34" charset="0"/>
-                </a:rPr>
-                <a:t>of Mixtral with </a:t>
+                <a:t>Comparison of Mixtral with </a:t>
               </a:r>
               <a:r>
                 <a:rPr lang="zh-CN" altLang="en-US" b="1" dirty="0" smtClean="0">
@@ -5765,77 +5758,63 @@
                 <a:latin typeface="Arial" panose="020B0604020202020204" pitchFamily="34" charset="0"/>
                 <a:cs typeface="Arial" panose="020B0604020202020204" pitchFamily="34" charset="0"/>
               </a:rPr>
-              <a:t>[1] J</a:t>
+              <a:t>[1] J. Kaplan, S. </a:t>
+            </a:r>
+            <a:r>
+              <a:rPr lang="en-US" altLang="zh-CN" dirty="0" err="1" smtClean="0">
+                <a:latin typeface="Arial" panose="020B0604020202020204" pitchFamily="34" charset="0"/>
+                <a:cs typeface="Arial" panose="020B0604020202020204" pitchFamily="34" charset="0"/>
+              </a:rPr>
+              <a:t>McCandlish</a:t>
             </a:r>
             <a:r>
               <a:rPr lang="en-US" altLang="zh-CN" dirty="0" smtClean="0">
                 <a:latin typeface="Arial" panose="020B0604020202020204" pitchFamily="34" charset="0"/>
                 <a:cs typeface="Arial" panose="020B0604020202020204" pitchFamily="34" charset="0"/>
               </a:rPr>
-              <a:t>. Kaplan, S. </a:t>
+              <a:t>, T. </a:t>
             </a:r>
             <a:r>
               <a:rPr lang="en-US" altLang="zh-CN" dirty="0" err="1" smtClean="0">
                 <a:latin typeface="Arial" panose="020B0604020202020204" pitchFamily="34" charset="0"/>
                 <a:cs typeface="Arial" panose="020B0604020202020204" pitchFamily="34" charset="0"/>
               </a:rPr>
-              <a:t>McCandlish</a:t>
+              <a:t>Henighan</a:t>
             </a:r>
             <a:r>
               <a:rPr lang="en-US" altLang="zh-CN" dirty="0" smtClean="0">
                 <a:latin typeface="Arial" panose="020B0604020202020204" pitchFamily="34" charset="0"/>
                 <a:cs typeface="Arial" panose="020B0604020202020204" pitchFamily="34" charset="0"/>
               </a:rPr>
-              <a:t>, T. </a:t>
+              <a:t>, T. B. Brown, B. Chess, R. Child, S. Gray, A. Radford, J. Wu, and D. </a:t>
             </a:r>
             <a:r>
               <a:rPr lang="en-US" altLang="zh-CN" dirty="0" err="1" smtClean="0">
                 <a:latin typeface="Arial" panose="020B0604020202020204" pitchFamily="34" charset="0"/>
                 <a:cs typeface="Arial" panose="020B0604020202020204" pitchFamily="34" charset="0"/>
               </a:rPr>
-              <a:t>Henighan</a:t>
+              <a:t>Amodei</a:t>
             </a:r>
             <a:r>
               <a:rPr lang="en-US" altLang="zh-CN" dirty="0" smtClean="0">
                 <a:latin typeface="Arial" panose="020B0604020202020204" pitchFamily="34" charset="0"/>
                 <a:cs typeface="Arial" panose="020B0604020202020204" pitchFamily="34" charset="0"/>
               </a:rPr>
-              <a:t>, T. B. Brown, B. Chess, R. Child, S. Gray, A. Radford, J. Wu, and D. </a:t>
+              <a:t>, “Scaling laws for neural language models,” </a:t>
             </a:r>
             <a:r>
               <a:rPr lang="en-US" altLang="zh-CN" dirty="0" err="1" smtClean="0">
                 <a:latin typeface="Arial" panose="020B0604020202020204" pitchFamily="34" charset="0"/>
                 <a:cs typeface="Arial" panose="020B0604020202020204" pitchFamily="34" charset="0"/>
               </a:rPr>
-              <a:t>Amodei</a:t>
+              <a:t>CoRR</a:t>
             </a:r>
             <a:r>
               <a:rPr lang="en-US" altLang="zh-CN" dirty="0" smtClean="0">
                 <a:latin typeface="Arial" panose="020B0604020202020204" pitchFamily="34" charset="0"/>
                 <a:cs typeface="Arial" panose="020B0604020202020204" pitchFamily="34" charset="0"/>
               </a:rPr>
-              <a:t>, “Scaling laws for neural language models,” </a:t>
-            </a:r>
-            <a:r>
-              <a:rPr lang="en-US" altLang="zh-CN" dirty="0" err="1" smtClean="0">
-                <a:latin typeface="Arial" panose="020B0604020202020204" pitchFamily="34" charset="0"/>
-                <a:cs typeface="Arial" panose="020B0604020202020204" pitchFamily="34" charset="0"/>
-              </a:rPr>
-              <a:t>CoRR</a:t>
-            </a:r>
-            <a:r>
-              <a:rPr lang="en-US" altLang="zh-CN" dirty="0" smtClean="0">
-                <a:latin typeface="Arial" panose="020B0604020202020204" pitchFamily="34" charset="0"/>
-                <a:cs typeface="Arial" panose="020B0604020202020204" pitchFamily="34" charset="0"/>
-              </a:rPr>
-              <a:t>, vol. abs/2001.08361, 2020</a:t>
-            </a:r>
-            <a:r>
-              <a:rPr lang="en-US" altLang="zh-CN" dirty="0" smtClean="0">
-                <a:latin typeface="Arial" panose="020B0604020202020204" pitchFamily="34" charset="0"/>
-                <a:cs typeface="Arial" panose="020B0604020202020204" pitchFamily="34" charset="0"/>
-              </a:rPr>
-              <a:t>.</a:t>
+              <a:t>, vol. abs/2001.08361, 2020.</a:t>
             </a:r>
           </a:p>
           <a:p>
@@ -5941,56 +5920,35 @@
                 <a:latin typeface="Arial" panose="020B0604020202020204" pitchFamily="34" charset="0"/>
                 <a:cs typeface="Arial" panose="020B0604020202020204" pitchFamily="34" charset="0"/>
               </a:rPr>
-              <a:t>A</a:t>
+              <a:t>A. Q. Jiang et al., ‘</a:t>
+            </a:r>
+            <a:r>
+              <a:rPr lang="en-US" altLang="zh-CN" dirty="0" err="1">
+                <a:latin typeface="Arial" panose="020B0604020202020204" pitchFamily="34" charset="0"/>
+                <a:cs typeface="Arial" panose="020B0604020202020204" pitchFamily="34" charset="0"/>
+              </a:rPr>
+              <a:t>Mixtral</a:t>
             </a:r>
             <a:r>
               <a:rPr lang="en-US" altLang="zh-CN" dirty="0">
                 <a:latin typeface="Arial" panose="020B0604020202020204" pitchFamily="34" charset="0"/>
                 <a:cs typeface="Arial" panose="020B0604020202020204" pitchFamily="34" charset="0"/>
               </a:rPr>
-              <a:t>. </a:t>
+              <a:t> of Experts’. </a:t>
+            </a:r>
+            <a:r>
+              <a:rPr lang="en-US" altLang="zh-CN" dirty="0" err="1">
+                <a:latin typeface="Arial" panose="020B0604020202020204" pitchFamily="34" charset="0"/>
+                <a:cs typeface="Arial" panose="020B0604020202020204" pitchFamily="34" charset="0"/>
+              </a:rPr>
+              <a:t>arXiv</a:t>
             </a:r>
             <a:r>
               <a:rPr lang="en-US" altLang="zh-CN" dirty="0">
                 <a:latin typeface="Arial" panose="020B0604020202020204" pitchFamily="34" charset="0"/>
                 <a:cs typeface="Arial" panose="020B0604020202020204" pitchFamily="34" charset="0"/>
               </a:rPr>
-              <a:t>Q. Jiang et al., ‘</a:t>
-            </a:r>
-            <a:r>
-              <a:rPr lang="en-US" altLang="zh-CN" dirty="0" err="1">
-                <a:latin typeface="Arial" panose="020B0604020202020204" pitchFamily="34" charset="0"/>
-                <a:cs typeface="Arial" panose="020B0604020202020204" pitchFamily="34" charset="0"/>
-              </a:rPr>
-              <a:t>Mixtral</a:t>
-            </a:r>
-            <a:r>
-              <a:rPr lang="en-US" altLang="zh-CN" dirty="0">
-                <a:latin typeface="Arial" panose="020B0604020202020204" pitchFamily="34" charset="0"/>
-                <a:cs typeface="Arial" panose="020B0604020202020204" pitchFamily="34" charset="0"/>
-              </a:rPr>
-              <a:t> of Experts’. </a:t>
-            </a:r>
-            <a:r>
-              <a:rPr lang="en-US" altLang="zh-CN" dirty="0" err="1">
-                <a:latin typeface="Arial" panose="020B0604020202020204" pitchFamily="34" charset="0"/>
-                <a:cs typeface="Arial" panose="020B0604020202020204" pitchFamily="34" charset="0"/>
-              </a:rPr>
-              <a:t>arXiv</a:t>
-            </a:r>
-            <a:r>
-              <a:rPr lang="en-US" altLang="zh-CN" dirty="0">
-                <a:latin typeface="Arial" panose="020B0604020202020204" pitchFamily="34" charset="0"/>
-                <a:cs typeface="Arial" panose="020B0604020202020204" pitchFamily="34" charset="0"/>
-              </a:rPr>
-              <a:t>, Jan. 08, 2024. Accessed: Apr. 15, 2024. [Online]. </a:t>
-            </a:r>
-            <a:r>
-              <a:rPr lang="en-US" altLang="zh-CN" dirty="0">
-                <a:latin typeface="Arial" panose="020B0604020202020204" pitchFamily="34" charset="0"/>
-                <a:cs typeface="Arial" panose="020B0604020202020204" pitchFamily="34" charset="0"/>
-              </a:rPr>
-              <a:t>Available: </a:t>
+              <a:t>, Jan. 08, 2024. Accessed: Apr. 15, 2024. [Online]. Available: </a:t>
             </a:r>
             <a:r>
               <a:rPr lang="en-US" altLang="zh-CN" dirty="0">
